--- a/Presentation/Oct21/Slides_10.21.pptx
+++ b/Presentation/Oct21/Slides_10.21.pptx
@@ -10,7 +10,9 @@
     <p:sldId id="257" r:id="rId4"/>
     <p:sldId id="259" r:id="rId5"/>
     <p:sldId id="260" r:id="rId6"/>
-    <p:sldId id="261" r:id="rId7"/>
+    <p:sldId id="262" r:id="rId7"/>
+    <p:sldId id="263" r:id="rId8"/>
+    <p:sldId id="261" r:id="rId9"/>
   </p:sldIdLst>
   <p:sldSz cx="9144000" cy="6858000" type="screen4x3"/>
   <p:notesSz cx="6858000" cy="9144000"/>
@@ -392,7 +394,7 @@
           <a:p>
             <a:fld id="{CFD669D8-59D0-41F0-AB14-14981FE0E6F8}" type="datetimeFigureOut">
               <a:rPr lang="en-US" smtClean="0"/>
-              <a:t>10/18/2015</a:t>
+              <a:t>10/20/2015</a:t>
             </a:fld>
             <a:endParaRPr lang="en-US"/>
           </a:p>
@@ -785,7 +787,7 @@
           <a:p>
             <a:fld id="{CFD669D8-59D0-41F0-AB14-14981FE0E6F8}" type="datetimeFigureOut">
               <a:rPr lang="en-US" smtClean="0"/>
-              <a:t>10/18/2015</a:t>
+              <a:t>10/20/2015</a:t>
             </a:fld>
             <a:endParaRPr lang="en-US"/>
           </a:p>
@@ -1317,7 +1319,7 @@
           <a:p>
             <a:fld id="{CFD669D8-59D0-41F0-AB14-14981FE0E6F8}" type="datetimeFigureOut">
               <a:rPr lang="en-US" smtClean="0"/>
-              <a:t>10/18/2015</a:t>
+              <a:t>10/20/2015</a:t>
             </a:fld>
             <a:endParaRPr lang="en-US"/>
           </a:p>
@@ -1450,7 +1452,7 @@
           <a:p>
             <a:fld id="{CFD669D8-59D0-41F0-AB14-14981FE0E6F8}" type="datetimeFigureOut">
               <a:rPr lang="en-US" smtClean="0"/>
-              <a:t>10/18/2015</a:t>
+              <a:t>10/20/2015</a:t>
             </a:fld>
             <a:endParaRPr lang="en-US"/>
           </a:p>
@@ -1993,7 +1995,7 @@
           <a:p>
             <a:fld id="{CFD669D8-59D0-41F0-AB14-14981FE0E6F8}" type="datetimeFigureOut">
               <a:rPr lang="en-US" smtClean="0"/>
-              <a:t>10/18/2015</a:t>
+              <a:t>10/20/2015</a:t>
             </a:fld>
             <a:endParaRPr lang="en-US"/>
           </a:p>
@@ -2288,7 +2290,7 @@
           <a:p>
             <a:fld id="{CFD669D8-59D0-41F0-AB14-14981FE0E6F8}" type="datetimeFigureOut">
               <a:rPr lang="en-US" smtClean="0"/>
-              <a:t>10/18/2015</a:t>
+              <a:t>10/20/2015</a:t>
             </a:fld>
             <a:endParaRPr lang="en-US"/>
           </a:p>
@@ -2947,7 +2949,7 @@
           <a:p>
             <a:fld id="{CFD669D8-59D0-41F0-AB14-14981FE0E6F8}" type="datetimeFigureOut">
               <a:rPr lang="en-US" smtClean="0"/>
-              <a:t>10/18/2015</a:t>
+              <a:t>10/20/2015</a:t>
             </a:fld>
             <a:endParaRPr lang="en-US"/>
           </a:p>
@@ -3383,7 +3385,7 @@
           <a:p>
             <a:fld id="{CFD669D8-59D0-41F0-AB14-14981FE0E6F8}" type="datetimeFigureOut">
               <a:rPr lang="en-US" smtClean="0"/>
-              <a:t>10/18/2015</a:t>
+              <a:t>10/20/2015</a:t>
             </a:fld>
             <a:endParaRPr lang="en-US"/>
           </a:p>
@@ -3696,7 +3698,7 @@
           <a:p>
             <a:fld id="{CFD669D8-59D0-41F0-AB14-14981FE0E6F8}" type="datetimeFigureOut">
               <a:rPr lang="en-US" smtClean="0"/>
-              <a:t>10/18/2015</a:t>
+              <a:t>10/20/2015</a:t>
             </a:fld>
             <a:endParaRPr lang="en-US"/>
           </a:p>
@@ -4428,7 +4430,7 @@
           <a:p>
             <a:fld id="{CFD669D8-59D0-41F0-AB14-14981FE0E6F8}" type="datetimeFigureOut">
               <a:rPr lang="en-US" smtClean="0"/>
-              <a:t>10/18/2015</a:t>
+              <a:t>10/20/2015</a:t>
             </a:fld>
             <a:endParaRPr lang="en-US"/>
           </a:p>
@@ -5092,7 +5094,7 @@
           <a:p>
             <a:fld id="{CFD669D8-59D0-41F0-AB14-14981FE0E6F8}" type="datetimeFigureOut">
               <a:rPr lang="en-US" smtClean="0"/>
-              <a:t>10/18/2015</a:t>
+              <a:t>10/20/2015</a:t>
             </a:fld>
             <a:endParaRPr lang="en-US"/>
           </a:p>
@@ -5365,7 +5367,7 @@
           <a:p>
             <a:fld id="{CFD669D8-59D0-41F0-AB14-14981FE0E6F8}" type="datetimeFigureOut">
               <a:rPr lang="en-US" smtClean="0"/>
-              <a:t>10/18/2015</a:t>
+              <a:t>10/20/2015</a:t>
             </a:fld>
             <a:endParaRPr lang="en-US"/>
           </a:p>
@@ -6048,12 +6050,33 @@
             <p:ph type="subTitle" idx="1"/>
           </p:nvPr>
         </p:nvSpPr>
-        <p:spPr/>
+        <p:spPr>
+          <a:xfrm>
+            <a:off x="1371600" y="3124200"/>
+            <a:ext cx="6400800" cy="1752600"/>
+          </a:xfrm>
+        </p:spPr>
         <p:txBody>
           <a:bodyPr/>
           <a:lstStyle/>
           <a:p>
-            <a:endParaRPr lang="en-US"/>
+            <a:r>
+              <a:rPr lang="en-US" dirty="0" smtClean="0"/>
+              <a:t>SODA 502</a:t>
+            </a:r>
+          </a:p>
+          <a:p>
+            <a:r>
+              <a:rPr lang="en-US" dirty="0" smtClean="0"/>
+              <a:t>20 October 2015</a:t>
+            </a:r>
+          </a:p>
+          <a:p>
+            <a:r>
+              <a:rPr lang="en-US" dirty="0" smtClean="0"/>
+              <a:t>Project Analysis Outline</a:t>
+            </a:r>
+            <a:endParaRPr lang="en-US" dirty="0"/>
           </a:p>
         </p:txBody>
       </p:sp>
@@ -6072,7 +6095,11 @@
           <a:bodyPr/>
           <a:lstStyle/>
           <a:p>
-            <a:endParaRPr lang="en-US"/>
+            <a:r>
+              <a:rPr lang="en-US" dirty="0" smtClean="0"/>
+              <a:t>Network Hierarchy</a:t>
+            </a:r>
+            <a:endParaRPr lang="en-US" dirty="0"/>
           </a:p>
         </p:txBody>
       </p:sp>
@@ -6132,15 +6159,11 @@
           <a:p>
             <a:r>
               <a:rPr lang="en-US" dirty="0" smtClean="0"/>
-              <a:t>Data Sets-29 that are in the </a:t>
-            </a:r>
-            <a:r>
-              <a:rPr lang="en-US" dirty="0" err="1" smtClean="0"/>
-              <a:t>git</a:t>
+              <a:t>Data </a:t>
             </a:r>
             <a:r>
               <a:rPr lang="en-US" dirty="0" smtClean="0"/>
-              <a:t> hub</a:t>
+              <a:t>Sets</a:t>
             </a:r>
             <a:endParaRPr lang="en-US" dirty="0"/>
           </a:p>
@@ -6156,14 +6179,14 @@
             <p:ph sz="quarter" idx="1"/>
             <p:extLst>
               <p:ext uri="{D42A27DB-BD31-4B8C-83A1-F6EECF244321}">
-                <p14:modId xmlns:p14="http://schemas.microsoft.com/office/powerpoint/2010/main" val="2914659264"/>
+                <p14:modId xmlns:p14="http://schemas.microsoft.com/office/powerpoint/2010/main" val="3958366989"/>
               </p:ext>
             </p:extLst>
           </p:nvPr>
         </p:nvGraphicFramePr>
         <p:xfrm>
-          <a:off x="301625" y="1778000"/>
-          <a:ext cx="8504238" cy="3708400"/>
+          <a:off x="1447800" y="2448560"/>
+          <a:ext cx="6164068" cy="2123440"/>
         </p:xfrm>
         <a:graphic>
           <a:graphicData uri="http://schemas.openxmlformats.org/drawingml/2006/table">
@@ -6172,13 +6195,89 @@
                 <a:tableStyleId>{5C22544A-7EE6-4342-B048-85BDC9FD1C3A}</a:tableStyleId>
               </a:tblPr>
               <a:tblGrid>
-                <a:gridCol w="1417373"/>
-                <a:gridCol w="1417373"/>
-                <a:gridCol w="1417373"/>
-                <a:gridCol w="1417373"/>
-                <a:gridCol w="1417373"/>
+                <a:gridCol w="2060575"/>
+                <a:gridCol w="1524000"/>
+                <a:gridCol w="1162120"/>
                 <a:gridCol w="1417373"/>
               </a:tblGrid>
+              <a:tr h="289560">
+                <a:tc>
+                  <a:txBody>
+                    <a:bodyPr/>
+                    <a:lstStyle/>
+                    <a:p>
+                      <a:pPr algn="ctr"/>
+                      <a:r>
+                        <a:rPr lang="en-US" dirty="0" smtClean="0"/>
+                        <a:t>R Object</a:t>
+                      </a:r>
+                      <a:endParaRPr lang="en-US" dirty="0"/>
+                    </a:p>
+                  </a:txBody>
+                  <a:tcPr marL="94491" marR="94491"/>
+                </a:tc>
+                <a:tc>
+                  <a:txBody>
+                    <a:bodyPr/>
+                    <a:lstStyle/>
+                    <a:p>
+                      <a:pPr algn="ctr"/>
+                      <a:r>
+                        <a:rPr lang="en-US" dirty="0" smtClean="0"/>
+                        <a:t># </a:t>
+                      </a:r>
+                      <a:r>
+                        <a:rPr lang="en-US" dirty="0" smtClean="0"/>
+                        <a:t>Data</a:t>
+                      </a:r>
+                      <a:r>
+                        <a:rPr lang="en-US" baseline="0" dirty="0" smtClean="0"/>
+                        <a:t> Sets</a:t>
+                      </a:r>
+                      <a:endParaRPr lang="en-US" dirty="0"/>
+                    </a:p>
+                  </a:txBody>
+                  <a:tcPr marL="94491" marR="94491"/>
+                </a:tc>
+                <a:tc>
+                  <a:txBody>
+                    <a:bodyPr/>
+                    <a:lstStyle/>
+                    <a:p>
+                      <a:pPr algn="ctr"/>
+                      <a:r>
+                        <a:rPr lang="en-US" dirty="0" smtClean="0"/>
+                        <a:t>Avg.</a:t>
+                      </a:r>
+                      <a:r>
+                        <a:rPr lang="en-US" baseline="0" dirty="0" smtClean="0"/>
+                        <a:t> # Nodes</a:t>
+                      </a:r>
+                      <a:endParaRPr lang="en-US" dirty="0"/>
+                    </a:p>
+                  </a:txBody>
+                  <a:tcPr marL="94491" marR="94491"/>
+                </a:tc>
+                <a:tc>
+                  <a:txBody>
+                    <a:bodyPr/>
+                    <a:lstStyle/>
+                    <a:p>
+                      <a:pPr algn="ctr"/>
+                      <a:r>
+                        <a:rPr lang="en-US" dirty="0" smtClean="0"/>
+                        <a:t>Avg.</a:t>
+                      </a:r>
+                      <a:r>
+                        <a:rPr lang="en-US" baseline="0" dirty="0" smtClean="0"/>
+                        <a:t> # Edges</a:t>
+                      </a:r>
+                      <a:endParaRPr lang="en-US" dirty="0"/>
+                    </a:p>
+                  </a:txBody>
+                  <a:tcPr marL="94491" marR="94491"/>
+                </a:tc>
+              </a:tr>
               <a:tr h="370840">
                 <a:tc>
                   <a:txBody>
@@ -6186,8 +6285,8 @@
                     <a:lstStyle/>
                     <a:p>
                       <a:r>
-                        <a:rPr lang="en-US" dirty="0" smtClean="0"/>
-                        <a:t>Data Set</a:t>
+                        <a:rPr lang="en-US" dirty="0" err="1" smtClean="0"/>
+                        <a:t>Network_Data</a:t>
                       </a:r>
                       <a:endParaRPr lang="en-US" dirty="0"/>
                     </a:p>
@@ -6201,75 +6300,13 @@
                     <a:p>
                       <a:r>
                         <a:rPr lang="en-US" dirty="0" smtClean="0"/>
-                        <a:t># Nodes</a:t>
+                        <a:t>29</a:t>
                       </a:r>
                       <a:endParaRPr lang="en-US" dirty="0"/>
                     </a:p>
                   </a:txBody>
                   <a:tcPr marL="94491" marR="94491"/>
                 </a:tc>
-                <a:tc>
-                  <a:txBody>
-                    <a:bodyPr/>
-                    <a:lstStyle/>
-                    <a:p>
-                      <a:r>
-                        <a:rPr lang="en-US" dirty="0" smtClean="0"/>
-                        <a:t>#</a:t>
-                      </a:r>
-                      <a:r>
-                        <a:rPr lang="en-US" baseline="0" dirty="0" smtClean="0"/>
-                        <a:t> Edges</a:t>
-                      </a:r>
-                      <a:endParaRPr lang="en-US" dirty="0"/>
-                    </a:p>
-                  </a:txBody>
-                  <a:tcPr marL="94491" marR="94491"/>
-                </a:tc>
-                <a:tc>
-                  <a:txBody>
-                    <a:bodyPr/>
-                    <a:lstStyle/>
-                    <a:p>
-                      <a:r>
-                        <a:rPr lang="en-US" dirty="0" smtClean="0"/>
-                        <a:t>Directed</a:t>
-                      </a:r>
-                      <a:endParaRPr lang="en-US" dirty="0"/>
-                    </a:p>
-                  </a:txBody>
-                  <a:tcPr marL="94491" marR="94491"/>
-                </a:tc>
-                <a:tc>
-                  <a:txBody>
-                    <a:bodyPr/>
-                    <a:lstStyle/>
-                    <a:p>
-                      <a:r>
-                        <a:rPr lang="en-US" dirty="0" smtClean="0"/>
-                        <a:t>Weighted</a:t>
-                      </a:r>
-                      <a:endParaRPr lang="en-US" dirty="0"/>
-                    </a:p>
-                  </a:txBody>
-                  <a:tcPr marL="94491" marR="94491"/>
-                </a:tc>
-                <a:tc>
-                  <a:txBody>
-                    <a:bodyPr/>
-                    <a:lstStyle/>
-                    <a:p>
-                      <a:r>
-                        <a:rPr lang="en-US" dirty="0" smtClean="0"/>
-                        <a:t>Topic</a:t>
-                      </a:r>
-                      <a:endParaRPr lang="en-US" dirty="0"/>
-                    </a:p>
-                  </a:txBody>
-                  <a:tcPr marL="94491" marR="94491"/>
-                </a:tc>
-              </a:tr>
-              <a:tr h="370840">
                 <a:tc>
                   <a:txBody>
                     <a:bodyPr/>
@@ -6290,12 +6327,18 @@
                   </a:txBody>
                   <a:tcPr marL="94491" marR="94491"/>
                 </a:tc>
+              </a:tr>
+              <a:tr h="370840">
                 <a:tc>
                   <a:txBody>
                     <a:bodyPr/>
                     <a:lstStyle/>
                     <a:p>
-                      <a:endParaRPr lang="en-US"/>
+                      <a:r>
+                        <a:rPr lang="en-US" dirty="0" smtClean="0"/>
+                        <a:t>Influence</a:t>
+                      </a:r>
+                      <a:endParaRPr lang="en-US" dirty="0"/>
                     </a:p>
                   </a:txBody>
                   <a:tcPr marL="94491" marR="94491"/>
@@ -6305,7 +6348,11 @@
                     <a:bodyPr/>
                     <a:lstStyle/>
                     <a:p>
-                      <a:endParaRPr lang="en-US"/>
+                      <a:r>
+                        <a:rPr lang="en-US" dirty="0" smtClean="0"/>
+                        <a:t>12</a:t>
+                      </a:r>
+                      <a:endParaRPr lang="en-US" dirty="0"/>
                     </a:p>
                   </a:txBody>
                   <a:tcPr marL="94491" marR="94491"/>
@@ -6337,6 +6384,10 @@
                     <a:bodyPr/>
                     <a:lstStyle/>
                     <a:p>
+                      <a:r>
+                        <a:rPr lang="en-US" dirty="0" smtClean="0"/>
+                        <a:t>Manager</a:t>
+                      </a:r>
                       <a:endParaRPr lang="en-US" dirty="0"/>
                     </a:p>
                   </a:txBody>
@@ -6347,27 +6398,11 @@
                     <a:bodyPr/>
                     <a:lstStyle/>
                     <a:p>
-                      <a:endParaRPr lang="en-US"/>
-                    </a:p>
-                  </a:txBody>
-                  <a:tcPr marL="94491" marR="94491"/>
-                </a:tc>
-                <a:tc>
-                  <a:txBody>
-                    <a:bodyPr/>
-                    <a:lstStyle/>
-                    <a:p>
-                      <a:endParaRPr lang="en-US"/>
-                    </a:p>
-                  </a:txBody>
-                  <a:tcPr marL="94491" marR="94491"/>
-                </a:tc>
-                <a:tc>
-                  <a:txBody>
-                    <a:bodyPr/>
-                    <a:lstStyle/>
-                    <a:p>
-                      <a:endParaRPr lang="en-US"/>
+                      <a:r>
+                        <a:rPr lang="en-US" dirty="0" smtClean="0"/>
+                        <a:t>17</a:t>
+                      </a:r>
+                      <a:endParaRPr lang="en-US" dirty="0"/>
                     </a:p>
                   </a:txBody>
                   <a:tcPr marL="94491" marR="94491"/>
@@ -6399,6 +6434,10 @@
                     <a:bodyPr/>
                     <a:lstStyle/>
                     <a:p>
+                      <a:r>
+                        <a:rPr lang="en-US" dirty="0" smtClean="0"/>
+                        <a:t>Total</a:t>
+                      </a:r>
                       <a:endParaRPr lang="en-US" dirty="0"/>
                     </a:p>
                   </a:txBody>
@@ -6409,399 +6448,11 @@
                     <a:bodyPr/>
                     <a:lstStyle/>
                     <a:p>
-                      <a:endParaRPr lang="en-US"/>
-                    </a:p>
-                  </a:txBody>
-                  <a:tcPr marL="94491" marR="94491"/>
-                </a:tc>
-                <a:tc>
-                  <a:txBody>
-                    <a:bodyPr/>
-                    <a:lstStyle/>
-                    <a:p>
-                      <a:endParaRPr lang="en-US"/>
-                    </a:p>
-                  </a:txBody>
-                  <a:tcPr marL="94491" marR="94491"/>
-                </a:tc>
-                <a:tc>
-                  <a:txBody>
-                    <a:bodyPr/>
-                    <a:lstStyle/>
-                    <a:p>
-                      <a:endParaRPr lang="en-US"/>
-                    </a:p>
-                  </a:txBody>
-                  <a:tcPr marL="94491" marR="94491"/>
-                </a:tc>
-                <a:tc>
-                  <a:txBody>
-                    <a:bodyPr/>
-                    <a:lstStyle/>
-                    <a:p>
-                      <a:endParaRPr lang="en-US"/>
-                    </a:p>
-                  </a:txBody>
-                  <a:tcPr marL="94491" marR="94491"/>
-                </a:tc>
-                <a:tc>
-                  <a:txBody>
-                    <a:bodyPr/>
-                    <a:lstStyle/>
-                    <a:p>
-                      <a:endParaRPr lang="en-US"/>
-                    </a:p>
-                  </a:txBody>
-                  <a:tcPr marL="94491" marR="94491"/>
-                </a:tc>
-              </a:tr>
-              <a:tr h="370840">
-                <a:tc>
-                  <a:txBody>
-                    <a:bodyPr/>
-                    <a:lstStyle/>
-                    <a:p>
+                      <a:r>
+                        <a:rPr lang="en-US" dirty="0" smtClean="0"/>
+                        <a:t>58</a:t>
+                      </a:r>
                       <a:endParaRPr lang="en-US" dirty="0"/>
-                    </a:p>
-                  </a:txBody>
-                  <a:tcPr marL="94491" marR="94491"/>
-                </a:tc>
-                <a:tc>
-                  <a:txBody>
-                    <a:bodyPr/>
-                    <a:lstStyle/>
-                    <a:p>
-                      <a:endParaRPr lang="en-US"/>
-                    </a:p>
-                  </a:txBody>
-                  <a:tcPr marL="94491" marR="94491"/>
-                </a:tc>
-                <a:tc>
-                  <a:txBody>
-                    <a:bodyPr/>
-                    <a:lstStyle/>
-                    <a:p>
-                      <a:endParaRPr lang="en-US"/>
-                    </a:p>
-                  </a:txBody>
-                  <a:tcPr marL="94491" marR="94491"/>
-                </a:tc>
-                <a:tc>
-                  <a:txBody>
-                    <a:bodyPr/>
-                    <a:lstStyle/>
-                    <a:p>
-                      <a:endParaRPr lang="en-US"/>
-                    </a:p>
-                  </a:txBody>
-                  <a:tcPr marL="94491" marR="94491"/>
-                </a:tc>
-                <a:tc>
-                  <a:txBody>
-                    <a:bodyPr/>
-                    <a:lstStyle/>
-                    <a:p>
-                      <a:endParaRPr lang="en-US"/>
-                    </a:p>
-                  </a:txBody>
-                  <a:tcPr marL="94491" marR="94491"/>
-                </a:tc>
-                <a:tc>
-                  <a:txBody>
-                    <a:bodyPr/>
-                    <a:lstStyle/>
-                    <a:p>
-                      <a:endParaRPr lang="en-US"/>
-                    </a:p>
-                  </a:txBody>
-                  <a:tcPr marL="94491" marR="94491"/>
-                </a:tc>
-              </a:tr>
-              <a:tr h="370840">
-                <a:tc>
-                  <a:txBody>
-                    <a:bodyPr/>
-                    <a:lstStyle/>
-                    <a:p>
-                      <a:endParaRPr lang="en-US" dirty="0"/>
-                    </a:p>
-                  </a:txBody>
-                  <a:tcPr marL="94491" marR="94491"/>
-                </a:tc>
-                <a:tc>
-                  <a:txBody>
-                    <a:bodyPr/>
-                    <a:lstStyle/>
-                    <a:p>
-                      <a:endParaRPr lang="en-US"/>
-                    </a:p>
-                  </a:txBody>
-                  <a:tcPr marL="94491" marR="94491"/>
-                </a:tc>
-                <a:tc>
-                  <a:txBody>
-                    <a:bodyPr/>
-                    <a:lstStyle/>
-                    <a:p>
-                      <a:endParaRPr lang="en-US"/>
-                    </a:p>
-                  </a:txBody>
-                  <a:tcPr marL="94491" marR="94491"/>
-                </a:tc>
-                <a:tc>
-                  <a:txBody>
-                    <a:bodyPr/>
-                    <a:lstStyle/>
-                    <a:p>
-                      <a:endParaRPr lang="en-US"/>
-                    </a:p>
-                  </a:txBody>
-                  <a:tcPr marL="94491" marR="94491"/>
-                </a:tc>
-                <a:tc>
-                  <a:txBody>
-                    <a:bodyPr/>
-                    <a:lstStyle/>
-                    <a:p>
-                      <a:endParaRPr lang="en-US"/>
-                    </a:p>
-                  </a:txBody>
-                  <a:tcPr marL="94491" marR="94491"/>
-                </a:tc>
-                <a:tc>
-                  <a:txBody>
-                    <a:bodyPr/>
-                    <a:lstStyle/>
-                    <a:p>
-                      <a:endParaRPr lang="en-US"/>
-                    </a:p>
-                  </a:txBody>
-                  <a:tcPr marL="94491" marR="94491"/>
-                </a:tc>
-              </a:tr>
-              <a:tr h="370840">
-                <a:tc>
-                  <a:txBody>
-                    <a:bodyPr/>
-                    <a:lstStyle/>
-                    <a:p>
-                      <a:endParaRPr lang="en-US" dirty="0"/>
-                    </a:p>
-                  </a:txBody>
-                  <a:tcPr marL="94491" marR="94491"/>
-                </a:tc>
-                <a:tc>
-                  <a:txBody>
-                    <a:bodyPr/>
-                    <a:lstStyle/>
-                    <a:p>
-                      <a:endParaRPr lang="en-US"/>
-                    </a:p>
-                  </a:txBody>
-                  <a:tcPr marL="94491" marR="94491"/>
-                </a:tc>
-                <a:tc>
-                  <a:txBody>
-                    <a:bodyPr/>
-                    <a:lstStyle/>
-                    <a:p>
-                      <a:endParaRPr lang="en-US"/>
-                    </a:p>
-                  </a:txBody>
-                  <a:tcPr marL="94491" marR="94491"/>
-                </a:tc>
-                <a:tc>
-                  <a:txBody>
-                    <a:bodyPr/>
-                    <a:lstStyle/>
-                    <a:p>
-                      <a:endParaRPr lang="en-US"/>
-                    </a:p>
-                  </a:txBody>
-                  <a:tcPr marL="94491" marR="94491"/>
-                </a:tc>
-                <a:tc>
-                  <a:txBody>
-                    <a:bodyPr/>
-                    <a:lstStyle/>
-                    <a:p>
-                      <a:endParaRPr lang="en-US"/>
-                    </a:p>
-                  </a:txBody>
-                  <a:tcPr marL="94491" marR="94491"/>
-                </a:tc>
-                <a:tc>
-                  <a:txBody>
-                    <a:bodyPr/>
-                    <a:lstStyle/>
-                    <a:p>
-                      <a:endParaRPr lang="en-US"/>
-                    </a:p>
-                  </a:txBody>
-                  <a:tcPr marL="94491" marR="94491"/>
-                </a:tc>
-              </a:tr>
-              <a:tr h="370840">
-                <a:tc>
-                  <a:txBody>
-                    <a:bodyPr/>
-                    <a:lstStyle/>
-                    <a:p>
-                      <a:endParaRPr lang="en-US" dirty="0"/>
-                    </a:p>
-                  </a:txBody>
-                  <a:tcPr marL="94491" marR="94491"/>
-                </a:tc>
-                <a:tc>
-                  <a:txBody>
-                    <a:bodyPr/>
-                    <a:lstStyle/>
-                    <a:p>
-                      <a:endParaRPr lang="en-US"/>
-                    </a:p>
-                  </a:txBody>
-                  <a:tcPr marL="94491" marR="94491"/>
-                </a:tc>
-                <a:tc>
-                  <a:txBody>
-                    <a:bodyPr/>
-                    <a:lstStyle/>
-                    <a:p>
-                      <a:endParaRPr lang="en-US"/>
-                    </a:p>
-                  </a:txBody>
-                  <a:tcPr marL="94491" marR="94491"/>
-                </a:tc>
-                <a:tc>
-                  <a:txBody>
-                    <a:bodyPr/>
-                    <a:lstStyle/>
-                    <a:p>
-                      <a:endParaRPr lang="en-US"/>
-                    </a:p>
-                  </a:txBody>
-                  <a:tcPr marL="94491" marR="94491"/>
-                </a:tc>
-                <a:tc>
-                  <a:txBody>
-                    <a:bodyPr/>
-                    <a:lstStyle/>
-                    <a:p>
-                      <a:endParaRPr lang="en-US"/>
-                    </a:p>
-                  </a:txBody>
-                  <a:tcPr marL="94491" marR="94491"/>
-                </a:tc>
-                <a:tc>
-                  <a:txBody>
-                    <a:bodyPr/>
-                    <a:lstStyle/>
-                    <a:p>
-                      <a:endParaRPr lang="en-US"/>
-                    </a:p>
-                  </a:txBody>
-                  <a:tcPr marL="94491" marR="94491"/>
-                </a:tc>
-              </a:tr>
-              <a:tr h="370840">
-                <a:tc>
-                  <a:txBody>
-                    <a:bodyPr/>
-                    <a:lstStyle/>
-                    <a:p>
-                      <a:endParaRPr lang="en-US" dirty="0"/>
-                    </a:p>
-                  </a:txBody>
-                  <a:tcPr marL="94491" marR="94491"/>
-                </a:tc>
-                <a:tc>
-                  <a:txBody>
-                    <a:bodyPr/>
-                    <a:lstStyle/>
-                    <a:p>
-                      <a:endParaRPr lang="en-US"/>
-                    </a:p>
-                  </a:txBody>
-                  <a:tcPr marL="94491" marR="94491"/>
-                </a:tc>
-                <a:tc>
-                  <a:txBody>
-                    <a:bodyPr/>
-                    <a:lstStyle/>
-                    <a:p>
-                      <a:endParaRPr lang="en-US"/>
-                    </a:p>
-                  </a:txBody>
-                  <a:tcPr marL="94491" marR="94491"/>
-                </a:tc>
-                <a:tc>
-                  <a:txBody>
-                    <a:bodyPr/>
-                    <a:lstStyle/>
-                    <a:p>
-                      <a:endParaRPr lang="en-US"/>
-                    </a:p>
-                  </a:txBody>
-                  <a:tcPr marL="94491" marR="94491"/>
-                </a:tc>
-                <a:tc>
-                  <a:txBody>
-                    <a:bodyPr/>
-                    <a:lstStyle/>
-                    <a:p>
-                      <a:endParaRPr lang="en-US"/>
-                    </a:p>
-                  </a:txBody>
-                  <a:tcPr marL="94491" marR="94491"/>
-                </a:tc>
-                <a:tc>
-                  <a:txBody>
-                    <a:bodyPr/>
-                    <a:lstStyle/>
-                    <a:p>
-                      <a:endParaRPr lang="en-US"/>
-                    </a:p>
-                  </a:txBody>
-                  <a:tcPr marL="94491" marR="94491"/>
-                </a:tc>
-              </a:tr>
-              <a:tr h="370840">
-                <a:tc>
-                  <a:txBody>
-                    <a:bodyPr/>
-                    <a:lstStyle/>
-                    <a:p>
-                      <a:endParaRPr lang="en-US" dirty="0"/>
-                    </a:p>
-                  </a:txBody>
-                  <a:tcPr marL="94491" marR="94491"/>
-                </a:tc>
-                <a:tc>
-                  <a:txBody>
-                    <a:bodyPr/>
-                    <a:lstStyle/>
-                    <a:p>
-                      <a:endParaRPr lang="en-US"/>
-                    </a:p>
-                  </a:txBody>
-                  <a:tcPr marL="94491" marR="94491"/>
-                </a:tc>
-                <a:tc>
-                  <a:txBody>
-                    <a:bodyPr/>
-                    <a:lstStyle/>
-                    <a:p>
-                      <a:endParaRPr lang="en-US"/>
-                    </a:p>
-                  </a:txBody>
-                  <a:tcPr marL="94491" marR="94491"/>
-                </a:tc>
-                <a:tc>
-                  <a:txBody>
-                    <a:bodyPr/>
-                    <a:lstStyle/>
-                    <a:p>
-                      <a:endParaRPr lang="en-US"/>
                     </a:p>
                   </a:txBody>
                   <a:tcPr marL="94491" marR="94491"/>
@@ -6831,6 +6482,37 @@
           </a:graphicData>
         </a:graphic>
       </p:graphicFrame>
+      <p:sp>
+        <p:nvSpPr>
+          <p:cNvPr id="3" name="TextBox 2"/>
+          <p:cNvSpPr txBox="1"/>
+          <p:nvPr/>
+        </p:nvSpPr>
+        <p:spPr>
+          <a:xfrm>
+            <a:off x="152400" y="5715000"/>
+            <a:ext cx="8839200" cy="369332"/>
+          </a:xfrm>
+          <a:prstGeom prst="rect">
+            <a:avLst/>
+          </a:prstGeom>
+          <a:noFill/>
+        </p:spPr>
+        <p:txBody>
+          <a:bodyPr wrap="square" rtlCol="0">
+            <a:spAutoFit/>
+          </a:bodyPr>
+          <a:lstStyle/>
+          <a:p>
+            <a:pPr algn="ctr"/>
+            <a:r>
+              <a:rPr lang="en-US" dirty="0" smtClean="0"/>
+              <a:t>*For now, we treat all data sets as weighted and directed.</a:t>
+            </a:r>
+            <a:endParaRPr lang="en-US" dirty="0"/>
+          </a:p>
+        </p:txBody>
+      </p:sp>
     </p:spTree>
     <p:extLst>
       <p:ext uri="{BB962C8B-B14F-4D97-AF65-F5344CB8AC3E}">
@@ -6901,14 +6583,14 @@
             <p:ph sz="quarter" idx="1"/>
             <p:extLst>
               <p:ext uri="{D42A27DB-BD31-4B8C-83A1-F6EECF244321}">
-                <p14:modId xmlns:p14="http://schemas.microsoft.com/office/powerpoint/2010/main" val="3583291241"/>
+                <p14:modId xmlns:p14="http://schemas.microsoft.com/office/powerpoint/2010/main" val="1695773380"/>
               </p:ext>
             </p:extLst>
           </p:nvPr>
         </p:nvGraphicFramePr>
         <p:xfrm>
-          <a:off x="301625" y="1747520"/>
-          <a:ext cx="8504247" cy="4348480"/>
+          <a:off x="1219200" y="1828800"/>
+          <a:ext cx="6835388" cy="4079240"/>
         </p:xfrm>
         <a:graphic>
           <a:graphicData uri="http://schemas.openxmlformats.org/drawingml/2006/table">
@@ -6917,12 +6599,11 @@
                 <a:tableStyleId>{5C22544A-7EE6-4342-B048-85BDC9FD1C3A}</a:tableStyleId>
               </a:tblPr>
               <a:tblGrid>
-                <a:gridCol w="1603375"/>
-                <a:gridCol w="1546343"/>
-                <a:gridCol w="1349257"/>
+                <a:gridCol w="1981200"/>
+                <a:gridCol w="1600200"/>
+                <a:gridCol w="1371600"/>
                 <a:gridCol w="990600"/>
-                <a:gridCol w="888608"/>
-                <a:gridCol w="2126064"/>
+                <a:gridCol w="891788"/>
               </a:tblGrid>
               <a:tr h="370840">
                 <a:tc>
@@ -7000,21 +6681,6 @@
                   </a:txBody>
                   <a:tcPr marL="94491" marR="94491"/>
                 </a:tc>
-                <a:tc>
-                  <a:txBody>
-                    <a:bodyPr/>
-                    <a:lstStyle/>
-                    <a:p>
-                      <a:pPr algn="ctr"/>
-                      <a:r>
-                        <a:rPr lang="en-US" dirty="0" smtClean="0"/>
-                        <a:t>Other…</a:t>
-                      </a:r>
-                      <a:endParaRPr lang="en-US" dirty="0"/>
-                    </a:p>
-                  </a:txBody>
-                  <a:tcPr marL="94491" marR="94491"/>
-                </a:tc>
               </a:tr>
               <a:tr h="370840">
                 <a:tc>
@@ -7079,16 +6745,6 @@
                   </a:txBody>
                   <a:tcPr marL="94491" marR="94491"/>
                 </a:tc>
-                <a:tc>
-                  <a:txBody>
-                    <a:bodyPr/>
-                    <a:lstStyle/>
-                    <a:p>
-                      <a:endParaRPr lang="en-US" dirty="0"/>
-                    </a:p>
-                  </a:txBody>
-                  <a:tcPr marL="94491" marR="94491"/>
-                </a:tc>
               </a:tr>
               <a:tr h="370840">
                 <a:tc>
@@ -7148,16 +6804,6 @@
                     <a:lstStyle/>
                     <a:p>
                       <a:pPr algn="ctr"/>
-                      <a:endParaRPr lang="en-US" dirty="0"/>
-                    </a:p>
-                  </a:txBody>
-                  <a:tcPr marL="94491" marR="94491"/>
-                </a:tc>
-                <a:tc>
-                  <a:txBody>
-                    <a:bodyPr/>
-                    <a:lstStyle/>
-                    <a:p>
                       <a:endParaRPr lang="en-US" dirty="0"/>
                     </a:p>
                   </a:txBody>
@@ -7231,16 +6877,6 @@
                   </a:txBody>
                   <a:tcPr marL="94491" marR="94491"/>
                 </a:tc>
-                <a:tc>
-                  <a:txBody>
-                    <a:bodyPr/>
-                    <a:lstStyle/>
-                    <a:p>
-                      <a:endParaRPr lang="en-US" dirty="0"/>
-                    </a:p>
-                  </a:txBody>
-                  <a:tcPr marL="94491" marR="94491"/>
-                </a:tc>
               </a:tr>
               <a:tr h="370840">
                 <a:tc>
@@ -7304,16 +6940,6 @@
                         <a:rPr lang="en-US" dirty="0" smtClean="0"/>
                         <a:t>X</a:t>
                       </a:r>
-                      <a:endParaRPr lang="en-US" dirty="0"/>
-                    </a:p>
-                  </a:txBody>
-                  <a:tcPr marL="94491" marR="94491"/>
-                </a:tc>
-                <a:tc>
-                  <a:txBody>
-                    <a:bodyPr/>
-                    <a:lstStyle/>
-                    <a:p>
                       <a:endParaRPr lang="en-US" dirty="0"/>
                     </a:p>
                   </a:txBody>
@@ -7391,16 +7017,6 @@
                   </a:txBody>
                   <a:tcPr marL="94491" marR="94491"/>
                 </a:tc>
-                <a:tc>
-                  <a:txBody>
-                    <a:bodyPr/>
-                    <a:lstStyle/>
-                    <a:p>
-                      <a:endParaRPr lang="en-US" dirty="0"/>
-                    </a:p>
-                  </a:txBody>
-                  <a:tcPr marL="94491" marR="94491"/>
-                </a:tc>
               </a:tr>
               <a:tr h="370840">
                 <a:tc>
@@ -7460,16 +7076,6 @@
                         <a:rPr lang="en-US" dirty="0" smtClean="0"/>
                         <a:t>X</a:t>
                       </a:r>
-                      <a:endParaRPr lang="en-US" dirty="0"/>
-                    </a:p>
-                  </a:txBody>
-                  <a:tcPr marL="94491" marR="94491"/>
-                </a:tc>
-                <a:tc>
-                  <a:txBody>
-                    <a:bodyPr/>
-                    <a:lstStyle/>
-                    <a:p>
                       <a:endParaRPr lang="en-US" dirty="0"/>
                     </a:p>
                   </a:txBody>
@@ -7547,16 +7153,6 @@
                   </a:txBody>
                   <a:tcPr marL="94491" marR="94491"/>
                 </a:tc>
-                <a:tc>
-                  <a:txBody>
-                    <a:bodyPr/>
-                    <a:lstStyle/>
-                    <a:p>
-                      <a:endParaRPr lang="en-US" dirty="0"/>
-                    </a:p>
-                  </a:txBody>
-                  <a:tcPr marL="94491" marR="94491"/>
-                </a:tc>
               </a:tr>
               <a:tr h="370840">
                 <a:tc>
@@ -7624,16 +7220,6 @@
                         <a:rPr lang="en-US" dirty="0" smtClean="0"/>
                         <a:t>X</a:t>
                       </a:r>
-                      <a:endParaRPr lang="en-US" dirty="0"/>
-                    </a:p>
-                  </a:txBody>
-                  <a:tcPr marL="94491" marR="94491"/>
-                </a:tc>
-                <a:tc>
-                  <a:txBody>
-                    <a:bodyPr/>
-                    <a:lstStyle/>
-                    <a:p>
                       <a:endParaRPr lang="en-US" dirty="0"/>
                     </a:p>
                   </a:txBody>
@@ -7711,16 +7297,6 @@
                   </a:txBody>
                   <a:tcPr marL="94491" marR="94491"/>
                 </a:tc>
-                <a:tc>
-                  <a:txBody>
-                    <a:bodyPr/>
-                    <a:lstStyle/>
-                    <a:p>
-                      <a:endParaRPr lang="en-US" dirty="0"/>
-                    </a:p>
-                  </a:txBody>
-                  <a:tcPr marL="94491" marR="94491"/>
-                </a:tc>
               </a:tr>
               <a:tr h="370840">
                 <a:tc>
@@ -7793,16 +7369,6 @@
                   </a:txBody>
                   <a:tcPr marL="94491" marR="94491"/>
                 </a:tc>
-                <a:tc>
-                  <a:txBody>
-                    <a:bodyPr/>
-                    <a:lstStyle/>
-                    <a:p>
-                      <a:endParaRPr lang="en-US" dirty="0"/>
-                    </a:p>
-                  </a:txBody>
-                  <a:tcPr marL="94491" marR="94491"/>
-                </a:tc>
               </a:tr>
             </a:tbl>
           </a:graphicData>
@@ -7870,9 +7436,51 @@
           </a:p>
         </p:txBody>
       </p:sp>
+      <p:sp>
+        <p:nvSpPr>
+          <p:cNvPr id="5" name="TextBox 4"/>
+          <p:cNvSpPr txBox="1"/>
+          <p:nvPr/>
+        </p:nvSpPr>
+        <p:spPr>
+          <a:xfrm>
+            <a:off x="152400" y="6400800"/>
+            <a:ext cx="7848600" cy="369332"/>
+          </a:xfrm>
+          <a:prstGeom prst="rect">
+            <a:avLst/>
+          </a:prstGeom>
+          <a:noFill/>
+        </p:spPr>
+        <p:txBody>
+          <a:bodyPr wrap="square" rtlCol="0">
+            <a:spAutoFit/>
+          </a:bodyPr>
+          <a:lstStyle/>
+          <a:p>
+            <a:r>
+              <a:rPr lang="en-US" dirty="0" smtClean="0"/>
+              <a:t>*Measures for all </a:t>
+            </a:r>
+            <a:r>
+              <a:rPr lang="en-US" dirty="0" smtClean="0"/>
+              <a:t>58</a:t>
+            </a:r>
+            <a:r>
+              <a:rPr lang="en-US" dirty="0" smtClean="0"/>
+              <a:t>  </a:t>
+            </a:r>
+            <a:r>
+              <a:rPr lang="en-US" dirty="0" smtClean="0"/>
+              <a:t>Data Sets</a:t>
+            </a:r>
+            <a:endParaRPr lang="en-US" dirty="0"/>
+          </a:p>
+        </p:txBody>
+      </p:sp>
       <p:pic>
         <p:nvPicPr>
-          <p:cNvPr id="4" name="Content Placeholder 3"/>
+          <p:cNvPr id="8" name="Content Placeholder 7"/>
           <p:cNvPicPr>
             <a:picLocks noGrp="1" noChangeAspect="1"/>
           </p:cNvPicPr>
@@ -7904,41 +7512,11 @@
         </p:blipFill>
         <p:spPr>
           <a:xfrm>
-            <a:off x="28575" y="1219200"/>
-            <a:ext cx="9144000" cy="5562601"/>
+            <a:off x="0" y="1295400"/>
+            <a:ext cx="9144000" cy="5290066"/>
           </a:xfrm>
         </p:spPr>
       </p:pic>
-      <p:sp>
-        <p:nvSpPr>
-          <p:cNvPr id="5" name="TextBox 4"/>
-          <p:cNvSpPr txBox="1"/>
-          <p:nvPr/>
-        </p:nvSpPr>
-        <p:spPr>
-          <a:xfrm>
-            <a:off x="152400" y="6400800"/>
-            <a:ext cx="7848600" cy="369332"/>
-          </a:xfrm>
-          <a:prstGeom prst="rect">
-            <a:avLst/>
-          </a:prstGeom>
-          <a:noFill/>
-        </p:spPr>
-        <p:txBody>
-          <a:bodyPr wrap="square" rtlCol="0">
-            <a:spAutoFit/>
-          </a:bodyPr>
-          <a:lstStyle/>
-          <a:p>
-            <a:r>
-              <a:rPr lang="en-US" dirty="0" smtClean="0"/>
-              <a:t>*Measures for all 29 Data Sets</a:t>
-            </a:r>
-            <a:endParaRPr lang="en-US" dirty="0"/>
-          </a:p>
-        </p:txBody>
-      </p:sp>
     </p:spTree>
     <p:extLst>
       <p:ext uri="{BB962C8B-B14F-4D97-AF65-F5344CB8AC3E}">
@@ -8048,7 +7626,7 @@
         <p:spPr>
           <a:xfrm>
             <a:off x="152400" y="6400800"/>
-            <a:ext cx="7848600" cy="369332"/>
+            <a:ext cx="8763000" cy="369332"/>
           </a:xfrm>
           <a:prstGeom prst="rect">
             <a:avLst/>
@@ -8063,7 +7641,15 @@
           <a:p>
             <a:r>
               <a:rPr lang="en-US" dirty="0" smtClean="0"/>
-              <a:t>*Measures for Data Set 6; all others follow similar patterns </a:t>
+              <a:t>*Measures for Data Set </a:t>
+            </a:r>
+            <a:r>
+              <a:rPr lang="en-US" dirty="0" smtClean="0"/>
+              <a:t>6 in the Network Data; </a:t>
+            </a:r>
+            <a:r>
+              <a:rPr lang="en-US" dirty="0" smtClean="0"/>
+              <a:t>all others follow similar patterns </a:t>
             </a:r>
             <a:endParaRPr lang="en-US" dirty="0"/>
           </a:p>
@@ -8090,6 +7676,162 @@
 </file>
 
 <file path=ppt/slides/slide6.xml><?xml version="1.0" encoding="utf-8"?>
+<p:sld xmlns:a="http://schemas.openxmlformats.org/drawingml/2006/main" xmlns:r="http://schemas.openxmlformats.org/officeDocument/2006/relationships" xmlns:p="http://schemas.openxmlformats.org/presentationml/2006/main">
+  <p:cSld>
+    <p:spTree>
+      <p:nvGrpSpPr>
+        <p:cNvPr id="1" name=""/>
+        <p:cNvGrpSpPr/>
+        <p:nvPr/>
+      </p:nvGrpSpPr>
+      <p:grpSpPr>
+        <a:xfrm>
+          <a:off x="0" y="0"/>
+          <a:ext cx="0" cy="0"/>
+          <a:chOff x="0" y="0"/>
+          <a:chExt cx="0" cy="0"/>
+        </a:xfrm>
+      </p:grpSpPr>
+      <p:sp>
+        <p:nvSpPr>
+          <p:cNvPr id="2" name="Title 1"/>
+          <p:cNvSpPr>
+            <a:spLocks noGrp="1"/>
+          </p:cNvSpPr>
+          <p:nvPr>
+            <p:ph type="title"/>
+          </p:nvPr>
+        </p:nvSpPr>
+        <p:spPr/>
+        <p:txBody>
+          <a:bodyPr>
+            <a:normAutofit/>
+          </a:bodyPr>
+          <a:lstStyle/>
+          <a:p>
+            <a:r>
+              <a:rPr lang="en-US" dirty="0" smtClean="0"/>
+              <a:t>Plot of how well local measures are doing</a:t>
+            </a:r>
+            <a:endParaRPr lang="en-US" dirty="0"/>
+          </a:p>
+        </p:txBody>
+      </p:sp>
+      <p:sp>
+        <p:nvSpPr>
+          <p:cNvPr id="3" name="Content Placeholder 2"/>
+          <p:cNvSpPr>
+            <a:spLocks noGrp="1"/>
+          </p:cNvSpPr>
+          <p:nvPr>
+            <p:ph sz="quarter" idx="1"/>
+          </p:nvPr>
+        </p:nvSpPr>
+        <p:spPr/>
+        <p:txBody>
+          <a:bodyPr/>
+          <a:lstStyle/>
+          <a:p>
+            <a:r>
+              <a:rPr lang="en-US" dirty="0" smtClean="0"/>
+              <a:t>Focus on the email datasets</a:t>
+            </a:r>
+            <a:endParaRPr lang="en-US" dirty="0"/>
+          </a:p>
+        </p:txBody>
+      </p:sp>
+    </p:spTree>
+    <p:extLst>
+      <p:ext uri="{BB962C8B-B14F-4D97-AF65-F5344CB8AC3E}">
+        <p14:creationId xmlns:p14="http://schemas.microsoft.com/office/powerpoint/2010/main" val="4145618664"/>
+      </p:ext>
+    </p:extLst>
+  </p:cSld>
+  <p:clrMapOvr>
+    <a:masterClrMapping/>
+  </p:clrMapOvr>
+</p:sld>
+</file>
+
+<file path=ppt/slides/slide7.xml><?xml version="1.0" encoding="utf-8"?>
+<p:sld xmlns:a="http://schemas.openxmlformats.org/drawingml/2006/main" xmlns:r="http://schemas.openxmlformats.org/officeDocument/2006/relationships" xmlns:p="http://schemas.openxmlformats.org/presentationml/2006/main">
+  <p:cSld>
+    <p:spTree>
+      <p:nvGrpSpPr>
+        <p:cNvPr id="1" name=""/>
+        <p:cNvGrpSpPr/>
+        <p:nvPr/>
+      </p:nvGrpSpPr>
+      <p:grpSpPr>
+        <a:xfrm>
+          <a:off x="0" y="0"/>
+          <a:ext cx="0" cy="0"/>
+          <a:chOff x="0" y="0"/>
+          <a:chExt cx="0" cy="0"/>
+        </a:xfrm>
+      </p:grpSpPr>
+      <p:sp>
+        <p:nvSpPr>
+          <p:cNvPr id="2" name="Title 1"/>
+          <p:cNvSpPr>
+            <a:spLocks noGrp="1"/>
+          </p:cNvSpPr>
+          <p:nvPr>
+            <p:ph type="title"/>
+          </p:nvPr>
+        </p:nvSpPr>
+        <p:spPr/>
+        <p:txBody>
+          <a:bodyPr>
+            <a:normAutofit/>
+          </a:bodyPr>
+          <a:lstStyle/>
+          <a:p>
+            <a:r>
+              <a:rPr lang="en-US" dirty="0" smtClean="0"/>
+              <a:t>Plot of how well local measures are doing</a:t>
+            </a:r>
+            <a:endParaRPr lang="en-US" dirty="0"/>
+          </a:p>
+        </p:txBody>
+      </p:sp>
+      <p:sp>
+        <p:nvSpPr>
+          <p:cNvPr id="3" name="Content Placeholder 2"/>
+          <p:cNvSpPr>
+            <a:spLocks noGrp="1"/>
+          </p:cNvSpPr>
+          <p:nvPr>
+            <p:ph sz="quarter" idx="1"/>
+          </p:nvPr>
+        </p:nvSpPr>
+        <p:spPr/>
+        <p:txBody>
+          <a:bodyPr/>
+          <a:lstStyle/>
+          <a:p>
+            <a:r>
+              <a:rPr lang="en-US" dirty="0" smtClean="0"/>
+              <a:t>Focus on the influence data sets</a:t>
+            </a:r>
+            <a:endParaRPr lang="en-US" dirty="0"/>
+          </a:p>
+        </p:txBody>
+      </p:sp>
+    </p:spTree>
+    <p:extLst>
+      <p:ext uri="{BB962C8B-B14F-4D97-AF65-F5344CB8AC3E}">
+        <p14:creationId xmlns:p14="http://schemas.microsoft.com/office/powerpoint/2010/main" val="3577796146"/>
+      </p:ext>
+    </p:extLst>
+  </p:cSld>
+  <p:clrMapOvr>
+    <a:masterClrMapping/>
+  </p:clrMapOvr>
+</p:sld>
+</file>
+
+<file path=ppt/slides/slide8.xml><?xml version="1.0" encoding="utf-8"?>
 <p:sld xmlns:a="http://schemas.openxmlformats.org/drawingml/2006/main" xmlns:r="http://schemas.openxmlformats.org/officeDocument/2006/relationships" xmlns:p="http://schemas.openxmlformats.org/presentationml/2006/main">
   <p:cSld>
     <p:spTree>

--- a/Presentation/Oct21/Slides_10.21.pptx
+++ b/Presentation/Oct21/Slides_10.21.pptx
@@ -6159,11 +6159,7 @@
           <a:p>
             <a:r>
               <a:rPr lang="en-US" dirty="0" smtClean="0"/>
-              <a:t>Data </a:t>
-            </a:r>
-            <a:r>
-              <a:rPr lang="en-US" dirty="0" smtClean="0"/>
-              <a:t>Sets</a:t>
+              <a:t>Data Sets</a:t>
             </a:r>
             <a:endParaRPr lang="en-US" dirty="0"/>
           </a:p>
@@ -6179,7 +6175,7 @@
             <p:ph sz="quarter" idx="1"/>
             <p:extLst>
               <p:ext uri="{D42A27DB-BD31-4B8C-83A1-F6EECF244321}">
-                <p14:modId xmlns:p14="http://schemas.microsoft.com/office/powerpoint/2010/main" val="3958366989"/>
+                <p14:modId xmlns:p14="http://schemas.microsoft.com/office/powerpoint/2010/main" val="193117201"/>
               </p:ext>
             </p:extLst>
           </p:nvPr>
@@ -6209,7 +6205,11 @@
                       <a:pPr algn="ctr"/>
                       <a:r>
                         <a:rPr lang="en-US" dirty="0" smtClean="0"/>
-                        <a:t>R Object</a:t>
+                        <a:t>Data</a:t>
+                      </a:r>
+                      <a:r>
+                        <a:rPr lang="en-US" baseline="0" dirty="0" smtClean="0"/>
+                        <a:t> Set</a:t>
                       </a:r>
                       <a:endParaRPr lang="en-US" dirty="0"/>
                     </a:p>
@@ -6224,11 +6224,7 @@
                       <a:pPr algn="ctr"/>
                       <a:r>
                         <a:rPr lang="en-US" dirty="0" smtClean="0"/>
-                        <a:t># </a:t>
-                      </a:r>
-                      <a:r>
-                        <a:rPr lang="en-US" dirty="0" smtClean="0"/>
-                        <a:t>Data</a:t>
+                        <a:t># Data</a:t>
                       </a:r>
                       <a:r>
                         <a:rPr lang="en-US" baseline="0" dirty="0" smtClean="0"/>
@@ -6273,56 +6269,6 @@
                         <a:t> # Edges</a:t>
                       </a:r>
                       <a:endParaRPr lang="en-US" dirty="0"/>
-                    </a:p>
-                  </a:txBody>
-                  <a:tcPr marL="94491" marR="94491"/>
-                </a:tc>
-              </a:tr>
-              <a:tr h="370840">
-                <a:tc>
-                  <a:txBody>
-                    <a:bodyPr/>
-                    <a:lstStyle/>
-                    <a:p>
-                      <a:r>
-                        <a:rPr lang="en-US" dirty="0" err="1" smtClean="0"/>
-                        <a:t>Network_Data</a:t>
-                      </a:r>
-                      <a:endParaRPr lang="en-US" dirty="0"/>
-                    </a:p>
-                  </a:txBody>
-                  <a:tcPr marL="94491" marR="94491"/>
-                </a:tc>
-                <a:tc>
-                  <a:txBody>
-                    <a:bodyPr/>
-                    <a:lstStyle/>
-                    <a:p>
-                      <a:r>
-                        <a:rPr lang="en-US" dirty="0" smtClean="0"/>
-                        <a:t>29</a:t>
-                      </a:r>
-                      <a:endParaRPr lang="en-US" dirty="0"/>
-                    </a:p>
-                  </a:txBody>
-                  <a:tcPr marL="94491" marR="94491"/>
-                </a:tc>
-                <a:tc>
-                  <a:txBody>
-                    <a:bodyPr/>
-                    <a:lstStyle/>
-                    <a:p>
-                      <a:endParaRPr lang="en-US" dirty="0"/>
-                    </a:p>
-                  </a:txBody>
-                  <a:tcPr marL="94491" marR="94491"/>
-                </a:tc>
-                <a:tc>
-                  <a:txBody>
-                    <a:bodyPr/>
-                    <a:lstStyle/>
-                    <a:p>
-                      <a:endParaRPr lang="en-US"/>
                     </a:p>
                   </a:txBody>
                   <a:tcPr marL="94491" marR="94491"/>
@@ -6436,6 +6382,52 @@
                     <a:p>
                       <a:r>
                         <a:rPr lang="en-US" dirty="0" smtClean="0"/>
+                        <a:t>More?????</a:t>
+                      </a:r>
+                      <a:endParaRPr lang="en-US" dirty="0"/>
+                    </a:p>
+                  </a:txBody>
+                  <a:tcPr marL="94491" marR="94491"/>
+                </a:tc>
+                <a:tc>
+                  <a:txBody>
+                    <a:bodyPr/>
+                    <a:lstStyle/>
+                    <a:p>
+                      <a:endParaRPr lang="en-US" dirty="0"/>
+                    </a:p>
+                  </a:txBody>
+                  <a:tcPr marL="94491" marR="94491"/>
+                </a:tc>
+                <a:tc>
+                  <a:txBody>
+                    <a:bodyPr/>
+                    <a:lstStyle/>
+                    <a:p>
+                      <a:endParaRPr lang="en-US"/>
+                    </a:p>
+                  </a:txBody>
+                  <a:tcPr marL="94491" marR="94491"/>
+                </a:tc>
+                <a:tc>
+                  <a:txBody>
+                    <a:bodyPr/>
+                    <a:lstStyle/>
+                    <a:p>
+                      <a:endParaRPr lang="en-US" dirty="0"/>
+                    </a:p>
+                  </a:txBody>
+                  <a:tcPr marL="94491" marR="94491"/>
+                </a:tc>
+              </a:tr>
+              <a:tr h="370840">
+                <a:tc>
+                  <a:txBody>
+                    <a:bodyPr/>
+                    <a:lstStyle/>
+                    <a:p>
+                      <a:r>
+                        <a:rPr lang="en-US" dirty="0" smtClean="0"/>
                         <a:t>Total</a:t>
                       </a:r>
                       <a:endParaRPr lang="en-US" dirty="0"/>
@@ -6450,7 +6442,7 @@
                     <a:p>
                       <a:r>
                         <a:rPr lang="en-US" dirty="0" smtClean="0"/>
-                        <a:t>58</a:t>
+                        <a:t>29</a:t>
                       </a:r>
                       <a:endParaRPr lang="en-US" dirty="0"/>
                     </a:p>
@@ -6583,7 +6575,7 @@
             <p:ph sz="quarter" idx="1"/>
             <p:extLst>
               <p:ext uri="{D42A27DB-BD31-4B8C-83A1-F6EECF244321}">
-                <p14:modId xmlns:p14="http://schemas.microsoft.com/office/powerpoint/2010/main" val="1695773380"/>
+                <p14:modId xmlns:p14="http://schemas.microsoft.com/office/powerpoint/2010/main" val="2555372585"/>
               </p:ext>
             </p:extLst>
           </p:nvPr>
@@ -6714,6 +6706,10 @@
                     <a:lstStyle/>
                     <a:p>
                       <a:pPr algn="ctr"/>
+                      <a:r>
+                        <a:rPr lang="en-US" dirty="0" smtClean="0"/>
+                        <a:t>X</a:t>
+                      </a:r>
                       <a:endParaRPr lang="en-US" dirty="0"/>
                     </a:p>
                   </a:txBody>
@@ -6778,6 +6774,10 @@
                     <a:lstStyle/>
                     <a:p>
                       <a:pPr algn="ctr"/>
+                      <a:r>
+                        <a:rPr lang="en-US" dirty="0" smtClean="0"/>
+                        <a:t>X</a:t>
+                      </a:r>
                       <a:endParaRPr lang="en-US" dirty="0"/>
                     </a:p>
                   </a:txBody>
@@ -6846,6 +6846,10 @@
                     <a:lstStyle/>
                     <a:p>
                       <a:pPr algn="ctr"/>
+                      <a:r>
+                        <a:rPr lang="en-US" dirty="0" smtClean="0"/>
+                        <a:t>X</a:t>
+                      </a:r>
                       <a:endParaRPr lang="en-US" dirty="0"/>
                     </a:p>
                   </a:txBody>
@@ -6914,6 +6918,10 @@
                     <a:lstStyle/>
                     <a:p>
                       <a:pPr algn="ctr"/>
+                      <a:r>
+                        <a:rPr lang="en-US" dirty="0" smtClean="0"/>
+                        <a:t>X</a:t>
+                      </a:r>
                       <a:endParaRPr lang="en-US" dirty="0"/>
                     </a:p>
                   </a:txBody>
@@ -6982,6 +6990,10 @@
                     <a:lstStyle/>
                     <a:p>
                       <a:pPr algn="ctr"/>
+                      <a:r>
+                        <a:rPr lang="en-US" dirty="0" smtClean="0"/>
+                        <a:t>X</a:t>
+                      </a:r>
                       <a:endParaRPr lang="en-US" dirty="0"/>
                     </a:p>
                   </a:txBody>
@@ -7464,7 +7476,7 @@
             </a:r>
             <a:r>
               <a:rPr lang="en-US" dirty="0" smtClean="0"/>
-              <a:t>58</a:t>
+              <a:t>29</a:t>
             </a:r>
             <a:r>
               <a:rPr lang="en-US" dirty="0" smtClean="0"/>
@@ -7641,15 +7653,7 @@
           <a:p>
             <a:r>
               <a:rPr lang="en-US" dirty="0" smtClean="0"/>
-              <a:t>*Measures for Data Set </a:t>
-            </a:r>
-            <a:r>
-              <a:rPr lang="en-US" dirty="0" smtClean="0"/>
-              <a:t>6 in the Network Data; </a:t>
-            </a:r>
-            <a:r>
-              <a:rPr lang="en-US" dirty="0" smtClean="0"/>
-              <a:t>all others follow similar patterns </a:t>
+              <a:t>*Measures for Data Set 6 in the Network Data; all others follow similar patterns </a:t>
             </a:r>
             <a:endParaRPr lang="en-US" dirty="0"/>
           </a:p>
